--- a/usb_update/USB設備自動掛載與通知-udev.pptx
+++ b/usb_update/USB設備自動掛載與通知-udev.pptx
@@ -268,7 +268,7 @@
           <a:p>
             <a:fld id="{659D82FD-B435-42CA-BF4A-ECDB27F6D20D}" type="datetimeFigureOut">
               <a:rPr lang="zh-TW" altLang="en-US" smtClean="0"/>
-              <a:t>2024/11/22</a:t>
+              <a:t>2024/11/29</a:t>
             </a:fld>
             <a:endParaRPr lang="zh-TW" altLang="en-US"/>
           </a:p>
@@ -466,7 +466,7 @@
           <a:p>
             <a:fld id="{659D82FD-B435-42CA-BF4A-ECDB27F6D20D}" type="datetimeFigureOut">
               <a:rPr lang="zh-TW" altLang="en-US" smtClean="0"/>
-              <a:t>2024/11/22</a:t>
+              <a:t>2024/11/29</a:t>
             </a:fld>
             <a:endParaRPr lang="zh-TW" altLang="en-US"/>
           </a:p>
@@ -674,7 +674,7 @@
           <a:p>
             <a:fld id="{659D82FD-B435-42CA-BF4A-ECDB27F6D20D}" type="datetimeFigureOut">
               <a:rPr lang="zh-TW" altLang="en-US" smtClean="0"/>
-              <a:t>2024/11/22</a:t>
+              <a:t>2024/11/29</a:t>
             </a:fld>
             <a:endParaRPr lang="zh-TW" altLang="en-US"/>
           </a:p>
@@ -872,7 +872,7 @@
           <a:p>
             <a:fld id="{659D82FD-B435-42CA-BF4A-ECDB27F6D20D}" type="datetimeFigureOut">
               <a:rPr lang="zh-TW" altLang="en-US" smtClean="0"/>
-              <a:t>2024/11/22</a:t>
+              <a:t>2024/11/29</a:t>
             </a:fld>
             <a:endParaRPr lang="zh-TW" altLang="en-US"/>
           </a:p>
@@ -1147,7 +1147,7 @@
           <a:p>
             <a:fld id="{659D82FD-B435-42CA-BF4A-ECDB27F6D20D}" type="datetimeFigureOut">
               <a:rPr lang="zh-TW" altLang="en-US" smtClean="0"/>
-              <a:t>2024/11/22</a:t>
+              <a:t>2024/11/29</a:t>
             </a:fld>
             <a:endParaRPr lang="zh-TW" altLang="en-US"/>
           </a:p>
@@ -1412,7 +1412,7 @@
           <a:p>
             <a:fld id="{659D82FD-B435-42CA-BF4A-ECDB27F6D20D}" type="datetimeFigureOut">
               <a:rPr lang="zh-TW" altLang="en-US" smtClean="0"/>
-              <a:t>2024/11/22</a:t>
+              <a:t>2024/11/29</a:t>
             </a:fld>
             <a:endParaRPr lang="zh-TW" altLang="en-US"/>
           </a:p>
@@ -1824,7 +1824,7 @@
           <a:p>
             <a:fld id="{659D82FD-B435-42CA-BF4A-ECDB27F6D20D}" type="datetimeFigureOut">
               <a:rPr lang="zh-TW" altLang="en-US" smtClean="0"/>
-              <a:t>2024/11/22</a:t>
+              <a:t>2024/11/29</a:t>
             </a:fld>
             <a:endParaRPr lang="zh-TW" altLang="en-US"/>
           </a:p>
@@ -1965,7 +1965,7 @@
           <a:p>
             <a:fld id="{659D82FD-B435-42CA-BF4A-ECDB27F6D20D}" type="datetimeFigureOut">
               <a:rPr lang="zh-TW" altLang="en-US" smtClean="0"/>
-              <a:t>2024/11/22</a:t>
+              <a:t>2024/11/29</a:t>
             </a:fld>
             <a:endParaRPr lang="zh-TW" altLang="en-US"/>
           </a:p>
@@ -2078,7 +2078,7 @@
           <a:p>
             <a:fld id="{659D82FD-B435-42CA-BF4A-ECDB27F6D20D}" type="datetimeFigureOut">
               <a:rPr lang="zh-TW" altLang="en-US" smtClean="0"/>
-              <a:t>2024/11/22</a:t>
+              <a:t>2024/11/29</a:t>
             </a:fld>
             <a:endParaRPr lang="zh-TW" altLang="en-US"/>
           </a:p>
@@ -2389,7 +2389,7 @@
           <a:p>
             <a:fld id="{659D82FD-B435-42CA-BF4A-ECDB27F6D20D}" type="datetimeFigureOut">
               <a:rPr lang="zh-TW" altLang="en-US" smtClean="0"/>
-              <a:t>2024/11/22</a:t>
+              <a:t>2024/11/29</a:t>
             </a:fld>
             <a:endParaRPr lang="zh-TW" altLang="en-US"/>
           </a:p>
@@ -2677,7 +2677,7 @@
           <a:p>
             <a:fld id="{659D82FD-B435-42CA-BF4A-ECDB27F6D20D}" type="datetimeFigureOut">
               <a:rPr lang="zh-TW" altLang="en-US" smtClean="0"/>
-              <a:t>2024/11/22</a:t>
+              <a:t>2024/11/29</a:t>
             </a:fld>
             <a:endParaRPr lang="zh-TW" altLang="en-US"/>
           </a:p>
@@ -2918,7 +2918,7 @@
           <a:p>
             <a:fld id="{659D82FD-B435-42CA-BF4A-ECDB27F6D20D}" type="datetimeFigureOut">
               <a:rPr lang="zh-TW" altLang="en-US" smtClean="0"/>
-              <a:t>2024/11/22</a:t>
+              <a:t>2024/11/29</a:t>
             </a:fld>
             <a:endParaRPr lang="zh-TW" altLang="en-US"/>
           </a:p>
@@ -5150,29 +5150,14 @@
               <a:buNone/>
             </a:pPr>
             <a:r>
-              <a:rPr lang="en-US" altLang="zh-CN" sz="2000" dirty="0">
-                <a:solidFill>
-                  <a:srgbClr val="333333"/>
-                </a:solidFill>
-                <a:latin typeface="Verdana" panose="020B0604030504040204" pitchFamily="34" charset="0"/>
-              </a:rPr>
+              <a:rPr lang="en-US" altLang="zh-CN" sz="2000" dirty="0"/>
               <a:t>4.2</a:t>
             </a:r>
             <a:r>
-              <a:rPr lang="zh-CN" altLang="en-US" sz="2000" dirty="0">
-                <a:solidFill>
-                  <a:srgbClr val="333333"/>
-                </a:solidFill>
-                <a:latin typeface="Verdana" panose="020B0604030504040204" pitchFamily="34" charset="0"/>
-              </a:rPr>
+              <a:rPr lang="zh-CN" altLang="en-US" sz="2000" dirty="0"/>
               <a:t>操作符</a:t>
             </a:r>
-            <a:endParaRPr lang="en-US" altLang="zh-CN" sz="2000" dirty="0">
-              <a:solidFill>
-                <a:srgbClr val="333333"/>
-              </a:solidFill>
-              <a:latin typeface="Verdana" panose="020B0604030504040204" pitchFamily="34" charset="0"/>
-            </a:endParaRPr>
+            <a:endParaRPr lang="en-US" altLang="zh-CN" sz="2000" dirty="0"/>
           </a:p>
           <a:p>
             <a:pPr marL="0" indent="0">
